--- a/Poster.pptx
+++ b/Poster.pptx
@@ -141,547 +141,6 @@
     </p:ext>
   </p:extLst>
 </p:presentation>
-</file>
-
-<file path=ppt/changesInfos/changesInfo1.xml><?xml version="1.0" encoding="utf-8"?>
-<pc:chgInfo xmlns:a="http://schemas.openxmlformats.org/drawingml/2006/main" xmlns:r="http://schemas.openxmlformats.org/officeDocument/2006/relationships" xmlns:ac="http://schemas.microsoft.com/office/drawing/2013/main/command" xmlns:pc="http://schemas.microsoft.com/office/powerpoint/2013/main/command">
-  <pc:docChgLst>
-    <pc:chgData name="Peiguang Wang" userId="26f8909557841247" providerId="LiveId" clId="{BDA230C6-E50D-4081-8BD7-778DDB3530C1}"/>
-    <pc:docChg chg="undo custSel modSld">
-      <pc:chgData name="Peiguang Wang" userId="26f8909557841247" providerId="LiveId" clId="{BDA230C6-E50D-4081-8BD7-778DDB3530C1}" dt="2018-04-18T02:31:55.701" v="3935" actId="313"/>
-      <pc:docMkLst>
-        <pc:docMk/>
-      </pc:docMkLst>
-      <pc:sldChg chg="addSp delSp modSp">
-        <pc:chgData name="Peiguang Wang" userId="26f8909557841247" providerId="LiveId" clId="{BDA230C6-E50D-4081-8BD7-778DDB3530C1}" dt="2018-04-18T02:31:55.701" v="3935" actId="313"/>
-        <pc:sldMkLst>
-          <pc:docMk/>
-          <pc:sldMk cId="472910973" sldId="256"/>
-        </pc:sldMkLst>
-        <pc:spChg chg="mod">
-          <ac:chgData name="Peiguang Wang" userId="26f8909557841247" providerId="LiveId" clId="{BDA230C6-E50D-4081-8BD7-778DDB3530C1}" dt="2018-04-18T02:19:47.082" v="2760" actId="1036"/>
-          <ac:spMkLst>
-            <pc:docMk/>
-            <pc:sldMk cId="472910973" sldId="256"/>
-            <ac:spMk id="9" creationId="{8DCD417C-AD9E-4C70-BD04-742141BC62D9}"/>
-          </ac:spMkLst>
-        </pc:spChg>
-        <pc:spChg chg="mod">
-          <ac:chgData name="Peiguang Wang" userId="26f8909557841247" providerId="LiveId" clId="{BDA230C6-E50D-4081-8BD7-778DDB3530C1}" dt="2018-04-18T02:19:43.673" v="2751" actId="1036"/>
-          <ac:spMkLst>
-            <pc:docMk/>
-            <pc:sldMk cId="472910973" sldId="256"/>
-            <ac:spMk id="10" creationId="{0F104521-E5E1-4740-9B20-092C556BB122}"/>
-          </ac:spMkLst>
-        </pc:spChg>
-        <pc:spChg chg="mod">
-          <ac:chgData name="Peiguang Wang" userId="26f8909557841247" providerId="LiveId" clId="{BDA230C6-E50D-4081-8BD7-778DDB3530C1}" dt="2018-04-18T02:19:43.673" v="2751" actId="1036"/>
-          <ac:spMkLst>
-            <pc:docMk/>
-            <pc:sldMk cId="472910973" sldId="256"/>
-            <ac:spMk id="11" creationId="{0B953941-128B-41A0-8D7B-D1379BE3C688}"/>
-          </ac:spMkLst>
-        </pc:spChg>
-        <pc:spChg chg="mod">
-          <ac:chgData name="Peiguang Wang" userId="26f8909557841247" providerId="LiveId" clId="{BDA230C6-E50D-4081-8BD7-778DDB3530C1}" dt="2018-04-18T01:52:01.237" v="1902" actId="1076"/>
-          <ac:spMkLst>
-            <pc:docMk/>
-            <pc:sldMk cId="472910973" sldId="256"/>
-            <ac:spMk id="12" creationId="{090A8D86-A91F-4061-95C0-FC9DE149218D}"/>
-          </ac:spMkLst>
-        </pc:spChg>
-        <pc:spChg chg="mod">
-          <ac:chgData name="Peiguang Wang" userId="26f8909557841247" providerId="LiveId" clId="{BDA230C6-E50D-4081-8BD7-778DDB3530C1}" dt="2018-04-18T01:52:01.237" v="1902" actId="1076"/>
-          <ac:spMkLst>
-            <pc:docMk/>
-            <pc:sldMk cId="472910973" sldId="256"/>
-            <ac:spMk id="13" creationId="{60B21378-94D2-462A-A9E2-A02B484C614D}"/>
-          </ac:spMkLst>
-        </pc:spChg>
-        <pc:spChg chg="add del mod">
-          <ac:chgData name="Peiguang Wang" userId="26f8909557841247" providerId="LiveId" clId="{BDA230C6-E50D-4081-8BD7-778DDB3530C1}" dt="2018-04-18T01:52:21.707" v="1906" actId="164"/>
-          <ac:spMkLst>
-            <pc:docMk/>
-            <pc:sldMk cId="472910973" sldId="256"/>
-            <ac:spMk id="14" creationId="{B4475335-5A8E-412E-9AEF-4B05D0198D99}"/>
-          </ac:spMkLst>
-        </pc:spChg>
-        <pc:spChg chg="add del mod">
-          <ac:chgData name="Peiguang Wang" userId="26f8909557841247" providerId="LiveId" clId="{BDA230C6-E50D-4081-8BD7-778DDB3530C1}" dt="2018-04-18T01:52:21.707" v="1906" actId="164"/>
-          <ac:spMkLst>
-            <pc:docMk/>
-            <pc:sldMk cId="472910973" sldId="256"/>
-            <ac:spMk id="15" creationId="{5F006475-E8FC-4438-963D-993960914A15}"/>
-          </ac:spMkLst>
-        </pc:spChg>
-        <pc:spChg chg="mod">
-          <ac:chgData name="Peiguang Wang" userId="26f8909557841247" providerId="LiveId" clId="{BDA230C6-E50D-4081-8BD7-778DDB3530C1}" dt="2018-04-18T01:41:58.679" v="1088" actId="1076"/>
-          <ac:spMkLst>
-            <pc:docMk/>
-            <pc:sldMk cId="472910973" sldId="256"/>
-            <ac:spMk id="23" creationId="{4AAD824E-33A8-41EB-99FE-665E6C2FC100}"/>
-          </ac:spMkLst>
-        </pc:spChg>
-        <pc:spChg chg="mod">
-          <ac:chgData name="Peiguang Wang" userId="26f8909557841247" providerId="LiveId" clId="{BDA230C6-E50D-4081-8BD7-778DDB3530C1}" dt="2018-04-18T01:42:13.437" v="1091" actId="164"/>
-          <ac:spMkLst>
-            <pc:docMk/>
-            <pc:sldMk cId="472910973" sldId="256"/>
-            <ac:spMk id="25" creationId="{B99FFC26-8255-4DF5-B7C7-1EAAC5CFBEA3}"/>
-          </ac:spMkLst>
-        </pc:spChg>
-        <pc:spChg chg="mod">
-          <ac:chgData name="Peiguang Wang" userId="26f8909557841247" providerId="LiveId" clId="{BDA230C6-E50D-4081-8BD7-778DDB3530C1}" dt="2018-04-18T01:42:13.437" v="1091" actId="164"/>
-          <ac:spMkLst>
-            <pc:docMk/>
-            <pc:sldMk cId="472910973" sldId="256"/>
-            <ac:spMk id="26" creationId="{288D2243-08AF-4D44-AA8A-464EB473087D}"/>
-          </ac:spMkLst>
-        </pc:spChg>
-        <pc:spChg chg="mod">
-          <ac:chgData name="Peiguang Wang" userId="26f8909557841247" providerId="LiveId" clId="{BDA230C6-E50D-4081-8BD7-778DDB3530C1}" dt="2018-04-18T01:35:54.271" v="976" actId="1076"/>
-          <ac:spMkLst>
-            <pc:docMk/>
-            <pc:sldMk cId="472910973" sldId="256"/>
-            <ac:spMk id="28" creationId="{B086DFA8-F62A-4688-8EEF-3E7BAB2D0C5C}"/>
-          </ac:spMkLst>
-        </pc:spChg>
-        <pc:spChg chg="mod">
-          <ac:chgData name="Peiguang Wang" userId="26f8909557841247" providerId="LiveId" clId="{BDA230C6-E50D-4081-8BD7-778DDB3530C1}" dt="2018-04-18T01:35:54.271" v="976" actId="1076"/>
-          <ac:spMkLst>
-            <pc:docMk/>
-            <pc:sldMk cId="472910973" sldId="256"/>
-            <ac:spMk id="29" creationId="{FCFB94F2-689E-45DB-B459-C60B450872E0}"/>
-          </ac:spMkLst>
-        </pc:spChg>
-        <pc:spChg chg="del">
-          <ac:chgData name="Peiguang Wang" userId="26f8909557841247" providerId="LiveId" clId="{BDA230C6-E50D-4081-8BD7-778DDB3530C1}" dt="2018-04-18T01:16:32.507" v="245" actId="478"/>
-          <ac:spMkLst>
-            <pc:docMk/>
-            <pc:sldMk cId="472910973" sldId="256"/>
-            <ac:spMk id="34" creationId="{94A78B55-CED4-4D8B-A3D0-B21B4B9906AC}"/>
-          </ac:spMkLst>
-        </pc:spChg>
-        <pc:spChg chg="mod">
-          <ac:chgData name="Peiguang Wang" userId="26f8909557841247" providerId="LiveId" clId="{BDA230C6-E50D-4081-8BD7-778DDB3530C1}" dt="2018-04-18T02:07:49.673" v="2317" actId="20577"/>
-          <ac:spMkLst>
-            <pc:docMk/>
-            <pc:sldMk cId="472910973" sldId="256"/>
-            <ac:spMk id="36" creationId="{7A042677-C00F-464A-8DB4-A582EB62F84C}"/>
-          </ac:spMkLst>
-        </pc:spChg>
-        <pc:spChg chg="mod">
-          <ac:chgData name="Peiguang Wang" userId="26f8909557841247" providerId="LiveId" clId="{BDA230C6-E50D-4081-8BD7-778DDB3530C1}" dt="2018-04-18T01:10:40.690" v="101" actId="164"/>
-          <ac:spMkLst>
-            <pc:docMk/>
-            <pc:sldMk cId="472910973" sldId="256"/>
-            <ac:spMk id="37" creationId="{D16DAEDB-2AFB-4EC4-9C12-5258AD13153C}"/>
-          </ac:spMkLst>
-        </pc:spChg>
-        <pc:spChg chg="mod">
-          <ac:chgData name="Peiguang Wang" userId="26f8909557841247" providerId="LiveId" clId="{BDA230C6-E50D-4081-8BD7-778DDB3530C1}" dt="2018-04-18T01:10:40.690" v="101" actId="164"/>
-          <ac:spMkLst>
-            <pc:docMk/>
-            <pc:sldMk cId="472910973" sldId="256"/>
-            <ac:spMk id="38" creationId="{42B44105-9850-471F-A72D-C8D34EF69DDE}"/>
-          </ac:spMkLst>
-        </pc:spChg>
-        <pc:spChg chg="add mod">
-          <ac:chgData name="Peiguang Wang" userId="26f8909557841247" providerId="LiveId" clId="{BDA230C6-E50D-4081-8BD7-778DDB3530C1}" dt="2018-04-18T01:10:40.690" v="101" actId="164"/>
-          <ac:spMkLst>
-            <pc:docMk/>
-            <pc:sldMk cId="472910973" sldId="256"/>
-            <ac:spMk id="42" creationId="{904D7828-8FD1-4136-BF5B-A4A2DDC76A97}"/>
-          </ac:spMkLst>
-        </pc:spChg>
-        <pc:spChg chg="add mod">
-          <ac:chgData name="Peiguang Wang" userId="26f8909557841247" providerId="LiveId" clId="{BDA230C6-E50D-4081-8BD7-778DDB3530C1}" dt="2018-04-18T01:10:40.690" v="101" actId="164"/>
-          <ac:spMkLst>
-            <pc:docMk/>
-            <pc:sldMk cId="472910973" sldId="256"/>
-            <ac:spMk id="45" creationId="{D45DB248-8964-4550-A0F5-AE8AF750A891}"/>
-          </ac:spMkLst>
-        </pc:spChg>
-        <pc:spChg chg="add mod">
-          <ac:chgData name="Peiguang Wang" userId="26f8909557841247" providerId="LiveId" clId="{BDA230C6-E50D-4081-8BD7-778DDB3530C1}" dt="2018-04-18T01:10:40.690" v="101" actId="164"/>
-          <ac:spMkLst>
-            <pc:docMk/>
-            <pc:sldMk cId="472910973" sldId="256"/>
-            <ac:spMk id="48" creationId="{98E04046-0B4F-495C-B123-BD1AC8677318}"/>
-          </ac:spMkLst>
-        </pc:spChg>
-        <pc:spChg chg="add del mod">
-          <ac:chgData name="Peiguang Wang" userId="26f8909557841247" providerId="LiveId" clId="{BDA230C6-E50D-4081-8BD7-778DDB3530C1}" dt="2018-04-18T01:44:22.423" v="1228" actId="478"/>
-          <ac:spMkLst>
-            <pc:docMk/>
-            <pc:sldMk cId="472910973" sldId="256"/>
-            <ac:spMk id="54" creationId="{FDF1AED4-BF94-43BB-960A-4599544C1D6D}"/>
-          </ac:spMkLst>
-        </pc:spChg>
-        <pc:spChg chg="add del mod">
-          <ac:chgData name="Peiguang Wang" userId="26f8909557841247" providerId="LiveId" clId="{BDA230C6-E50D-4081-8BD7-778DDB3530C1}" dt="2018-04-18T01:44:20.937" v="1226" actId="478"/>
-          <ac:spMkLst>
-            <pc:docMk/>
-            <pc:sldMk cId="472910973" sldId="256"/>
-            <ac:spMk id="55" creationId="{E52B60A1-FD81-4296-B5EF-BF9EDA972B98}"/>
-          </ac:spMkLst>
-        </pc:spChg>
-        <pc:spChg chg="add del">
-          <ac:chgData name="Peiguang Wang" userId="26f8909557841247" providerId="LiveId" clId="{BDA230C6-E50D-4081-8BD7-778DDB3530C1}" dt="2018-04-18T01:16:34.266" v="247" actId="313"/>
-          <ac:spMkLst>
-            <pc:docMk/>
-            <pc:sldMk cId="472910973" sldId="256"/>
-            <ac:spMk id="56" creationId="{1264C390-19EF-42DD-AD21-F6EFA46C5C6C}"/>
-          </ac:spMkLst>
-        </pc:spChg>
-        <pc:spChg chg="add mod">
-          <ac:chgData name="Peiguang Wang" userId="26f8909557841247" providerId="LiveId" clId="{BDA230C6-E50D-4081-8BD7-778DDB3530C1}" dt="2018-04-18T01:35:27.837" v="975" actId="20577"/>
-          <ac:spMkLst>
-            <pc:docMk/>
-            <pc:sldMk cId="472910973" sldId="256"/>
-            <ac:spMk id="57" creationId="{ADBF49DB-484F-40D9-9657-B4D5127DF1DD}"/>
-          </ac:spMkLst>
-        </pc:spChg>
-        <pc:spChg chg="add mod">
-          <ac:chgData name="Peiguang Wang" userId="26f8909557841247" providerId="LiveId" clId="{BDA230C6-E50D-4081-8BD7-778DDB3530C1}" dt="2018-04-18T01:26:58.552" v="450" actId="164"/>
-          <ac:spMkLst>
-            <pc:docMk/>
-            <pc:sldMk cId="472910973" sldId="256"/>
-            <ac:spMk id="59" creationId="{CF2724BA-4EDD-4A84-9975-F2372A07E915}"/>
-          </ac:spMkLst>
-        </pc:spChg>
-        <pc:spChg chg="add mod">
-          <ac:chgData name="Peiguang Wang" userId="26f8909557841247" providerId="LiveId" clId="{BDA230C6-E50D-4081-8BD7-778DDB3530C1}" dt="2018-04-18T01:26:58.552" v="450" actId="164"/>
-          <ac:spMkLst>
-            <pc:docMk/>
-            <pc:sldMk cId="472910973" sldId="256"/>
-            <ac:spMk id="60" creationId="{6036E0ED-9490-4902-A0BF-C4B8C471DBBE}"/>
-          </ac:spMkLst>
-        </pc:spChg>
-        <pc:spChg chg="add mod">
-          <ac:chgData name="Peiguang Wang" userId="26f8909557841247" providerId="LiveId" clId="{BDA230C6-E50D-4081-8BD7-778DDB3530C1}" dt="2018-04-18T01:31:07.615" v="579" actId="1076"/>
-          <ac:spMkLst>
-            <pc:docMk/>
-            <pc:sldMk cId="472910973" sldId="256"/>
-            <ac:spMk id="62" creationId="{925A1C59-B5B9-44D0-86E3-65F4F069204C}"/>
-          </ac:spMkLst>
-        </pc:spChg>
-        <pc:spChg chg="add mod">
-          <ac:chgData name="Peiguang Wang" userId="26f8909557841247" providerId="LiveId" clId="{BDA230C6-E50D-4081-8BD7-778DDB3530C1}" dt="2018-04-18T01:31:41.757" v="634" actId="20577"/>
-          <ac:spMkLst>
-            <pc:docMk/>
-            <pc:sldMk cId="472910973" sldId="256"/>
-            <ac:spMk id="63" creationId="{F7A24310-C859-4BB9-8086-56000AA6DB20}"/>
-          </ac:spMkLst>
-        </pc:spChg>
-        <pc:spChg chg="add mod">
-          <ac:chgData name="Peiguang Wang" userId="26f8909557841247" providerId="LiveId" clId="{BDA230C6-E50D-4081-8BD7-778DDB3530C1}" dt="2018-04-18T01:33:46.492" v="904" actId="1076"/>
-          <ac:spMkLst>
-            <pc:docMk/>
-            <pc:sldMk cId="472910973" sldId="256"/>
-            <ac:spMk id="64" creationId="{E4896CA8-928B-4D5E-B9D9-16FDFA3B2B51}"/>
-          </ac:spMkLst>
-        </pc:spChg>
-        <pc:spChg chg="add del mod">
-          <ac:chgData name="Peiguang Wang" userId="26f8909557841247" providerId="LiveId" clId="{BDA230C6-E50D-4081-8BD7-778DDB3530C1}" dt="2018-04-18T01:40:40.868" v="1040" actId="313"/>
-          <ac:spMkLst>
-            <pc:docMk/>
-            <pc:sldMk cId="472910973" sldId="256"/>
-            <ac:spMk id="65" creationId="{CB75610B-4862-4664-AC52-2824DC5B2828}"/>
-          </ac:spMkLst>
-        </pc:spChg>
-        <pc:spChg chg="add mod">
-          <ac:chgData name="Peiguang Wang" userId="26f8909557841247" providerId="LiveId" clId="{BDA230C6-E50D-4081-8BD7-778DDB3530C1}" dt="2018-04-18T01:42:23.192" v="1094" actId="1076"/>
-          <ac:spMkLst>
-            <pc:docMk/>
-            <pc:sldMk cId="472910973" sldId="256"/>
-            <ac:spMk id="66" creationId="{9B649CAA-B9E5-408B-B633-4CA59E22EC29}"/>
-          </ac:spMkLst>
-        </pc:spChg>
-        <pc:spChg chg="add mod">
-          <ac:chgData name="Peiguang Wang" userId="26f8909557841247" providerId="LiveId" clId="{BDA230C6-E50D-4081-8BD7-778DDB3530C1}" dt="2018-04-18T01:52:01.237" v="1902" actId="1076"/>
-          <ac:spMkLst>
-            <pc:docMk/>
-            <pc:sldMk cId="472910973" sldId="256"/>
-            <ac:spMk id="68" creationId="{C3C9AC5E-2E5B-4EA3-A63B-22980A407F5D}"/>
-          </ac:spMkLst>
-        </pc:spChg>
-        <pc:spChg chg="add mod">
-          <ac:chgData name="Peiguang Wang" userId="26f8909557841247" providerId="LiveId" clId="{BDA230C6-E50D-4081-8BD7-778DDB3530C1}" dt="2018-04-18T02:05:18.220" v="2284" actId="113"/>
-          <ac:spMkLst>
-            <pc:docMk/>
-            <pc:sldMk cId="472910973" sldId="256"/>
-            <ac:spMk id="73" creationId="{B887536A-7420-43A6-BF76-C9F7FCB165C6}"/>
-          </ac:spMkLst>
-        </pc:spChg>
-        <pc:spChg chg="add mod">
-          <ac:chgData name="Peiguang Wang" userId="26f8909557841247" providerId="LiveId" clId="{BDA230C6-E50D-4081-8BD7-778DDB3530C1}" dt="2018-04-18T02:02:10.810" v="2159" actId="1076"/>
-          <ac:spMkLst>
-            <pc:docMk/>
-            <pc:sldMk cId="472910973" sldId="256"/>
-            <ac:spMk id="74" creationId="{6E15DC88-1B57-4E63-BA29-797ADC065C08}"/>
-          </ac:spMkLst>
-        </pc:spChg>
-        <pc:spChg chg="add mod">
-          <ac:chgData name="Peiguang Wang" userId="26f8909557841247" providerId="LiveId" clId="{BDA230C6-E50D-4081-8BD7-778DDB3530C1}" dt="2018-04-18T02:02:07.877" v="2158" actId="1076"/>
-          <ac:spMkLst>
-            <pc:docMk/>
-            <pc:sldMk cId="472910973" sldId="256"/>
-            <ac:spMk id="75" creationId="{E9E75217-A7CF-407F-B4CE-BF54D4322347}"/>
-          </ac:spMkLst>
-        </pc:spChg>
-        <pc:spChg chg="add del">
-          <ac:chgData name="Peiguang Wang" userId="26f8909557841247" providerId="LiveId" clId="{BDA230C6-E50D-4081-8BD7-778DDB3530C1}" dt="2018-04-18T02:04:10.513" v="2190" actId="313"/>
-          <ac:spMkLst>
-            <pc:docMk/>
-            <pc:sldMk cId="472910973" sldId="256"/>
-            <ac:spMk id="81" creationId="{71C4D8BC-45B5-4FDB-965C-FF82AEC6C353}"/>
-          </ac:spMkLst>
-        </pc:spChg>
-        <pc:spChg chg="add mod">
-          <ac:chgData name="Peiguang Wang" userId="26f8909557841247" providerId="LiveId" clId="{BDA230C6-E50D-4081-8BD7-778DDB3530C1}" dt="2018-04-18T02:08:29.209" v="2360" actId="113"/>
-          <ac:spMkLst>
-            <pc:docMk/>
-            <pc:sldMk cId="472910973" sldId="256"/>
-            <ac:spMk id="82" creationId="{AD0F23FB-A02D-43FF-BA2B-242F59A685FA}"/>
-          </ac:spMkLst>
-        </pc:spChg>
-        <pc:spChg chg="add mod">
-          <ac:chgData name="Peiguang Wang" userId="26f8909557841247" providerId="LiveId" clId="{BDA230C6-E50D-4081-8BD7-778DDB3530C1}" dt="2018-04-18T02:07:01.443" v="2313" actId="164"/>
-          <ac:spMkLst>
-            <pc:docMk/>
-            <pc:sldMk cId="472910973" sldId="256"/>
-            <ac:spMk id="97" creationId="{8DFD91A2-2D13-4931-91D9-E2608F7F0694}"/>
-          </ac:spMkLst>
-        </pc:spChg>
-        <pc:spChg chg="add mod">
-          <ac:chgData name="Peiguang Wang" userId="26f8909557841247" providerId="LiveId" clId="{BDA230C6-E50D-4081-8BD7-778DDB3530C1}" dt="2018-04-18T02:26:59.998" v="3614" actId="20577"/>
-          <ac:spMkLst>
-            <pc:docMk/>
-            <pc:sldMk cId="472910973" sldId="256"/>
-            <ac:spMk id="99" creationId="{A72858DC-1D24-4DD8-94C6-8CF5D30B1F24}"/>
-          </ac:spMkLst>
-        </pc:spChg>
-        <pc:spChg chg="add del mod">
-          <ac:chgData name="Peiguang Wang" userId="26f8909557841247" providerId="LiveId" clId="{BDA230C6-E50D-4081-8BD7-778DDB3530C1}" dt="2018-04-18T02:31:41.565" v="3930" actId="113"/>
-          <ac:spMkLst>
-            <pc:docMk/>
-            <pc:sldMk cId="472910973" sldId="256"/>
-            <ac:spMk id="100" creationId="{470302E5-B374-4B0F-ADF2-FA5C37B424FE}"/>
-          </ac:spMkLst>
-        </pc:spChg>
-        <pc:spChg chg="add mod">
-          <ac:chgData name="Peiguang Wang" userId="26f8909557841247" providerId="LiveId" clId="{BDA230C6-E50D-4081-8BD7-778DDB3530C1}" dt="2018-04-18T02:31:43.995" v="3931" actId="113"/>
-          <ac:spMkLst>
-            <pc:docMk/>
-            <pc:sldMk cId="472910973" sldId="256"/>
-            <ac:spMk id="102" creationId="{A59453E3-4C4A-42DC-93A0-2E8F474D0132}"/>
-          </ac:spMkLst>
-        </pc:spChg>
-        <pc:spChg chg="add mod">
-          <ac:chgData name="Peiguang Wang" userId="26f8909557841247" providerId="LiveId" clId="{BDA230C6-E50D-4081-8BD7-778DDB3530C1}" dt="2018-04-18T02:31:51.362" v="3933" actId="113"/>
-          <ac:spMkLst>
-            <pc:docMk/>
-            <pc:sldMk cId="472910973" sldId="256"/>
-            <ac:spMk id="105" creationId="{7F7CCD61-D478-455C-A039-D78091368A93}"/>
-          </ac:spMkLst>
-        </pc:spChg>
-        <pc:spChg chg="add mod">
-          <ac:chgData name="Peiguang Wang" userId="26f8909557841247" providerId="LiveId" clId="{BDA230C6-E50D-4081-8BD7-778DDB3530C1}" dt="2018-04-18T02:31:53.596" v="3934" actId="113"/>
-          <ac:spMkLst>
-            <pc:docMk/>
-            <pc:sldMk cId="472910973" sldId="256"/>
-            <ac:spMk id="106" creationId="{CF45843A-6D6B-4ADB-87EA-7F892D2E4084}"/>
-          </ac:spMkLst>
-        </pc:spChg>
-        <pc:spChg chg="add mod">
-          <ac:chgData name="Peiguang Wang" userId="26f8909557841247" providerId="LiveId" clId="{BDA230C6-E50D-4081-8BD7-778DDB3530C1}" dt="2018-04-18T02:31:55.701" v="3935" actId="313"/>
-          <ac:spMkLst>
-            <pc:docMk/>
-            <pc:sldMk cId="472910973" sldId="256"/>
-            <ac:spMk id="107" creationId="{B197D451-EEDA-4D4B-9239-A80F0CB3B492}"/>
-          </ac:spMkLst>
-        </pc:spChg>
-        <pc:grpChg chg="add mod">
-          <ac:chgData name="Peiguang Wang" userId="26f8909557841247" providerId="LiveId" clId="{BDA230C6-E50D-4081-8BD7-778DDB3530C1}" dt="2018-04-18T01:52:01.237" v="1902" actId="1076"/>
-          <ac:grpSpMkLst>
-            <pc:docMk/>
-            <pc:sldMk cId="472910973" sldId="256"/>
-            <ac:grpSpMk id="53" creationId="{8C5F3C69-334E-46FE-9809-39501382D2B1}"/>
-          </ac:grpSpMkLst>
-        </pc:grpChg>
-        <pc:grpChg chg="add mod">
-          <ac:chgData name="Peiguang Wang" userId="26f8909557841247" providerId="LiveId" clId="{BDA230C6-E50D-4081-8BD7-778DDB3530C1}" dt="2018-04-18T01:30:24.462" v="551" actId="1076"/>
-          <ac:grpSpMkLst>
-            <pc:docMk/>
-            <pc:sldMk cId="472910973" sldId="256"/>
-            <ac:grpSpMk id="61" creationId="{A05D2899-245B-417B-9EB6-1ACFF5FA817C}"/>
-          </ac:grpSpMkLst>
-        </pc:grpChg>
-        <pc:grpChg chg="add mod">
-          <ac:chgData name="Peiguang Wang" userId="26f8909557841247" providerId="LiveId" clId="{BDA230C6-E50D-4081-8BD7-778DDB3530C1}" dt="2018-04-18T01:42:16.934" v="1092" actId="1076"/>
-          <ac:grpSpMkLst>
-            <pc:docMk/>
-            <pc:sldMk cId="472910973" sldId="256"/>
-            <ac:grpSpMk id="67" creationId="{CAB12A80-4E59-418B-8132-880662AEAB3D}"/>
-          </ac:grpSpMkLst>
-        </pc:grpChg>
-        <pc:grpChg chg="add mod">
-          <ac:chgData name="Peiguang Wang" userId="26f8909557841247" providerId="LiveId" clId="{BDA230C6-E50D-4081-8BD7-778DDB3530C1}" dt="2018-04-18T01:52:24.264" v="1907" actId="1076"/>
-          <ac:grpSpMkLst>
-            <pc:docMk/>
-            <pc:sldMk cId="472910973" sldId="256"/>
-            <ac:grpSpMk id="69" creationId="{F90A7E55-0880-4A8E-A902-EA7A4C089FAD}"/>
-          </ac:grpSpMkLst>
-        </pc:grpChg>
-        <pc:grpChg chg="add mod">
-          <ac:chgData name="Peiguang Wang" userId="26f8909557841247" providerId="LiveId" clId="{BDA230C6-E50D-4081-8BD7-778DDB3530C1}" dt="2018-04-18T02:07:01.443" v="2313" actId="164"/>
-          <ac:grpSpMkLst>
-            <pc:docMk/>
-            <pc:sldMk cId="472910973" sldId="256"/>
-            <ac:grpSpMk id="83" creationId="{3F69C144-779F-41CC-B5FE-3C726027F73F}"/>
-          </ac:grpSpMkLst>
-        </pc:grpChg>
-        <pc:grpChg chg="add mod">
-          <ac:chgData name="Peiguang Wang" userId="26f8909557841247" providerId="LiveId" clId="{BDA230C6-E50D-4081-8BD7-778DDB3530C1}" dt="2018-04-18T02:07:04.316" v="2314" actId="1076"/>
-          <ac:grpSpMkLst>
-            <pc:docMk/>
-            <pc:sldMk cId="472910973" sldId="256"/>
-            <ac:grpSpMk id="98" creationId="{076DA057-EF18-4652-8FFF-CC93608B3A1D}"/>
-          </ac:grpSpMkLst>
-        </pc:grpChg>
-        <pc:graphicFrameChg chg="add mod modGraphic">
-          <ac:chgData name="Peiguang Wang" userId="26f8909557841247" providerId="LiveId" clId="{BDA230C6-E50D-4081-8BD7-778DDB3530C1}" dt="2018-04-18T02:16:11.484" v="2651" actId="14734"/>
-          <ac:graphicFrameMkLst>
-            <pc:docMk/>
-            <pc:sldMk cId="472910973" sldId="256"/>
-            <ac:graphicFrameMk id="80" creationId="{40B1A8ED-433E-4160-98C6-0DD340A57FA5}"/>
-          </ac:graphicFrameMkLst>
-        </pc:graphicFrameChg>
-        <pc:picChg chg="mod">
-          <ac:chgData name="Peiguang Wang" userId="26f8909557841247" providerId="LiveId" clId="{BDA230C6-E50D-4081-8BD7-778DDB3530C1}" dt="2018-04-18T01:42:20.259" v="1093" actId="1076"/>
-          <ac:picMkLst>
-            <pc:docMk/>
-            <pc:sldMk cId="472910973" sldId="256"/>
-            <ac:picMk id="32" creationId="{69574AB6-CB1A-4006-9894-C9BE93B9B159}"/>
-          </ac:picMkLst>
-        </pc:picChg>
-        <pc:picChg chg="mod">
-          <ac:chgData name="Peiguang Wang" userId="26f8909557841247" providerId="LiveId" clId="{BDA230C6-E50D-4081-8BD7-778DDB3530C1}" dt="2018-04-18T01:33:24.732" v="872" actId="1076"/>
-          <ac:picMkLst>
-            <pc:docMk/>
-            <pc:sldMk cId="472910973" sldId="256"/>
-            <ac:picMk id="33" creationId="{9087B826-EA7C-4471-B514-C5A69774A1E8}"/>
-          </ac:picMkLst>
-        </pc:picChg>
-        <pc:picChg chg="del mod">
-          <ac:chgData name="Peiguang Wang" userId="26f8909557841247" providerId="LiveId" clId="{BDA230C6-E50D-4081-8BD7-778DDB3530C1}" dt="2018-04-18T01:56:50.178" v="1922" actId="478"/>
-          <ac:picMkLst>
-            <pc:docMk/>
-            <pc:sldMk cId="472910973" sldId="256"/>
-            <ac:picMk id="35" creationId="{00DA4B29-96C5-4205-BED0-7191264BF230}"/>
-          </ac:picMkLst>
-        </pc:picChg>
-        <pc:picChg chg="add mod">
-          <ac:chgData name="Peiguang Wang" userId="26f8909557841247" providerId="LiveId" clId="{BDA230C6-E50D-4081-8BD7-778DDB3530C1}" dt="2018-04-18T01:26:58.552" v="450" actId="164"/>
-          <ac:picMkLst>
-            <pc:docMk/>
-            <pc:sldMk cId="472910973" sldId="256"/>
-            <ac:picMk id="58" creationId="{4AAA8223-5D25-40D9-A3E2-72248810A2D1}"/>
-          </ac:picMkLst>
-        </pc:picChg>
-        <pc:picChg chg="add mod">
-          <ac:chgData name="Peiguang Wang" userId="26f8909557841247" providerId="LiveId" clId="{BDA230C6-E50D-4081-8BD7-778DDB3530C1}" dt="2018-04-18T02:31:05.847" v="3833" actId="1036"/>
-          <ac:picMkLst>
-            <pc:docMk/>
-            <pc:sldMk cId="472910973" sldId="256"/>
-            <ac:picMk id="70" creationId="{84904851-4CFB-4681-BD28-E8CEE956BA6D}"/>
-          </ac:picMkLst>
-        </pc:picChg>
-        <pc:picChg chg="add mod">
-          <ac:chgData name="Peiguang Wang" userId="26f8909557841247" providerId="LiveId" clId="{BDA230C6-E50D-4081-8BD7-778DDB3530C1}" dt="2018-04-18T02:31:05.847" v="3833" actId="1036"/>
-          <ac:picMkLst>
-            <pc:docMk/>
-            <pc:sldMk cId="472910973" sldId="256"/>
-            <ac:picMk id="71" creationId="{A5B445A2-77FA-47CD-922D-03E36F826C4E}"/>
-          </ac:picMkLst>
-        </pc:picChg>
-        <pc:picChg chg="add mod">
-          <ac:chgData name="Peiguang Wang" userId="26f8909557841247" providerId="LiveId" clId="{BDA230C6-E50D-4081-8BD7-778DDB3530C1}" dt="2018-04-18T02:00:04.596" v="2036" actId="1076"/>
-          <ac:picMkLst>
-            <pc:docMk/>
-            <pc:sldMk cId="472910973" sldId="256"/>
-            <ac:picMk id="72" creationId="{883B54A7-DC86-4A70-8CB3-ABA325856BB1}"/>
-          </ac:picMkLst>
-        </pc:picChg>
-        <pc:picChg chg="add mod">
-          <ac:chgData name="Peiguang Wang" userId="26f8909557841247" providerId="LiveId" clId="{BDA230C6-E50D-4081-8BD7-778DDB3530C1}" dt="2018-04-18T02:31:05.847" v="3833" actId="1036"/>
-          <ac:picMkLst>
-            <pc:docMk/>
-            <pc:sldMk cId="472910973" sldId="256"/>
-            <ac:picMk id="101" creationId="{9A1090F5-E7CB-453B-BAD8-C4CA008E82B8}"/>
-          </ac:picMkLst>
-        </pc:picChg>
-        <pc:picChg chg="add mod">
-          <ac:chgData name="Peiguang Wang" userId="26f8909557841247" providerId="LiveId" clId="{BDA230C6-E50D-4081-8BD7-778DDB3530C1}" dt="2018-04-18T02:31:05.847" v="3833" actId="1036"/>
-          <ac:picMkLst>
-            <pc:docMk/>
-            <pc:sldMk cId="472910973" sldId="256"/>
-            <ac:picMk id="103" creationId="{51146A0D-B41D-4A91-B825-4ADEE83F9DA6}"/>
-          </ac:picMkLst>
-        </pc:picChg>
-        <pc:picChg chg="add mod">
-          <ac:chgData name="Peiguang Wang" userId="26f8909557841247" providerId="LiveId" clId="{BDA230C6-E50D-4081-8BD7-778DDB3530C1}" dt="2018-04-18T02:31:05.847" v="3833" actId="1036"/>
-          <ac:picMkLst>
-            <pc:docMk/>
-            <pc:sldMk cId="472910973" sldId="256"/>
-            <ac:picMk id="104" creationId="{FE29CCD5-29A4-4E35-9463-D603538D9CD5}"/>
-          </ac:picMkLst>
-        </pc:picChg>
-        <pc:cxnChg chg="mod">
-          <ac:chgData name="Peiguang Wang" userId="26f8909557841247" providerId="LiveId" clId="{BDA230C6-E50D-4081-8BD7-778DDB3530C1}" dt="2018-04-18T01:10:40.690" v="101" actId="164"/>
-          <ac:cxnSpMkLst>
-            <pc:docMk/>
-            <pc:sldMk cId="472910973" sldId="256"/>
-            <ac:cxnSpMk id="40" creationId="{D8E1EE12-BE77-430B-A29F-46A54C953463}"/>
-          </ac:cxnSpMkLst>
-        </pc:cxnChg>
-        <pc:cxnChg chg="add mod">
-          <ac:chgData name="Peiguang Wang" userId="26f8909557841247" providerId="LiveId" clId="{BDA230C6-E50D-4081-8BD7-778DDB3530C1}" dt="2018-04-18T01:10:40.690" v="101" actId="164"/>
-          <ac:cxnSpMkLst>
-            <pc:docMk/>
-            <pc:sldMk cId="472910973" sldId="256"/>
-            <ac:cxnSpMk id="43" creationId="{1440BA3C-CDAE-4088-8FC4-4A1C1409ACF7}"/>
-          </ac:cxnSpMkLst>
-        </pc:cxnChg>
-        <pc:cxnChg chg="add mod">
-          <ac:chgData name="Peiguang Wang" userId="26f8909557841247" providerId="LiveId" clId="{BDA230C6-E50D-4081-8BD7-778DDB3530C1}" dt="2018-04-18T01:10:40.690" v="101" actId="164"/>
-          <ac:cxnSpMkLst>
-            <pc:docMk/>
-            <pc:sldMk cId="472910973" sldId="256"/>
-            <ac:cxnSpMk id="46" creationId="{FD3819CF-C743-42AF-9EE4-B7A7B7040373}"/>
-          </ac:cxnSpMkLst>
-        </pc:cxnChg>
-        <pc:cxnChg chg="add mod">
-          <ac:chgData name="Peiguang Wang" userId="26f8909557841247" providerId="LiveId" clId="{BDA230C6-E50D-4081-8BD7-778DDB3530C1}" dt="2018-04-18T01:10:40.690" v="101" actId="164"/>
-          <ac:cxnSpMkLst>
-            <pc:docMk/>
-            <pc:sldMk cId="472910973" sldId="256"/>
-            <ac:cxnSpMk id="47" creationId="{5A98F081-EBAF-48A5-8F46-30C1E8E94E7B}"/>
-          </ac:cxnSpMkLst>
-        </pc:cxnChg>
-        <pc:cxnChg chg="add mod">
-          <ac:chgData name="Peiguang Wang" userId="26f8909557841247" providerId="LiveId" clId="{BDA230C6-E50D-4081-8BD7-778DDB3530C1}" dt="2018-04-18T02:02:05.350" v="2157" actId="14100"/>
-          <ac:cxnSpMkLst>
-            <pc:docMk/>
-            <pc:sldMk cId="472910973" sldId="256"/>
-            <ac:cxnSpMk id="77" creationId="{66C3DAA9-1D9D-46C8-B409-41FE1D067C93}"/>
-          </ac:cxnSpMkLst>
-        </pc:cxnChg>
-      </pc:sldChg>
-    </pc:docChg>
-  </pc:docChgLst>
-</pc:chgInfo>
 </file>
 
 <file path=ppt/slideLayouts/slideLayout1.xml><?xml version="1.0" encoding="utf-8"?>
@@ -5339,7 +4798,7 @@
         </p:nvSpPr>
         <p:spPr>
           <a:xfrm>
-            <a:off x="17194664" y="12253613"/>
+            <a:off x="17373600" y="12155082"/>
             <a:ext cx="14630400" cy="710605"/>
           </a:xfrm>
           <a:prstGeom prst="round1Rect">
@@ -5633,45 +5092,6 @@
           </a:p>
         </p:txBody>
       </p:sp>
-      <p:pic>
-        <p:nvPicPr>
-          <p:cNvPr id="33" name="Picture 32">
-            <a:extLst>
-              <a:ext uri="{FF2B5EF4-FFF2-40B4-BE49-F238E27FC236}">
-                <a16:creationId xmlns:a16="http://schemas.microsoft.com/office/drawing/2014/main" id="{9087B826-EA7C-4471-B514-C5A69774A1E8}"/>
-              </a:ext>
-            </a:extLst>
-          </p:cNvPr>
-          <p:cNvPicPr/>
-          <p:nvPr/>
-        </p:nvPicPr>
-        <p:blipFill>
-          <a:blip r:embed="rId3">
-            <a:extLst>
-              <a:ext uri="{28A0092B-C50C-407E-A947-70E740481C1C}">
-                <a14:useLocalDpi xmlns:a14="http://schemas.microsoft.com/office/drawing/2010/main" val="0"/>
-              </a:ext>
-            </a:extLst>
-          </a:blip>
-          <a:srcRect/>
-          <a:stretch>
-            <a:fillRect/>
-          </a:stretch>
-        </p:blipFill>
-        <p:spPr bwMode="auto">
-          <a:xfrm>
-            <a:off x="27898707" y="21647393"/>
-            <a:ext cx="1915160" cy="1531620"/>
-          </a:xfrm>
-          <a:prstGeom prst="rect">
-            <a:avLst/>
-          </a:prstGeom>
-          <a:noFill/>
-          <a:ln>
-            <a:noFill/>
-          </a:ln>
-        </p:spPr>
-      </p:pic>
       <p:sp>
         <p:nvSpPr>
           <p:cNvPr id="36" name="Rectangle 35">
@@ -5687,7 +5107,7 @@
         <p:spPr>
           <a:xfrm>
             <a:off x="1393722" y="32762437"/>
-            <a:ext cx="14630400" cy="4524315"/>
+            <a:ext cx="14630400" cy="8956298"/>
           </a:xfrm>
           <a:prstGeom prst="rect">
             <a:avLst/>
@@ -5709,7 +5129,7 @@
                 <a:ea typeface="SimSun" panose="02010600030101010101" pitchFamily="2" charset="-122"/>
                 <a:cs typeface="Times New Roman" panose="02020603050405020304" pitchFamily="18" charset="0"/>
               </a:rPr>
-              <a:t>From the result, Mask R-CNN works much bad than U-Net on this dataset for the performance is uneven. Because as for Mask R-CNN, it will firstly find the ROI and then produce masks on each ROI. So, there could be many circle masks on the road instead of a consistent long mask. So, Mask R-CNN doesn’t work well for segmentation of complex long shapes just like road. However, even Mask R-CNN cannot produce the precise mask, it can do the right thing on object detection.</a:t>
+              <a:t>Mask R-CNN is based on Faster RCNN and FCN. U-Net is based on FCN. They both works well on image segmentation but they performed differently on the given problem of the Kaggle competition.</a:t>
             </a:r>
           </a:p>
           <a:p>
@@ -5723,8 +5143,43 @@
                 <a:ea typeface="SimSun" panose="02010600030101010101" pitchFamily="2" charset="-122"/>
                 <a:cs typeface="Times New Roman" panose="02020603050405020304" pitchFamily="18" charset="0"/>
               </a:rPr>
-              <a:t>Mask R-CNN is based on Faster RCNN and FCN. U-Net is based on FCN.</a:t>
-            </a:r>
+              <a:t>From the result, Mask R-CNN works much bad than U-Net on this dataset for the performance is uneven. Because as for Mask R-CNN, it will firstly find the ROI and then produce masks on each ROI. So, there could be many circle masks on the road instead of a consistent long mask. So, Mask R-CNN doesn’t work well for segmentation of complex long shapes just like road. However, even Mask R-CNN cannot produce the precise mask, it can do the right thing on object detection.</a:t>
+            </a:r>
+          </a:p>
+          <a:p>
+            <a:pPr marL="342900" indent="-342900" algn="just">
+              <a:buFont typeface="Calibri" panose="020F0502020204030204" pitchFamily="34" charset="0"/>
+              <a:buChar char="•"/>
+            </a:pPr>
+            <a:r>
+              <a:rPr lang="en-US" sz="3600" dirty="0">
+                <a:latin typeface="Calibri" panose="020F0502020204030204" pitchFamily="34" charset="0"/>
+                <a:ea typeface="SimSun" panose="02010600030101010101" pitchFamily="2" charset="-122"/>
+                <a:cs typeface="Times New Roman" panose="02020603050405020304" pitchFamily="18" charset="0"/>
+              </a:rPr>
+              <a:t>U-Net performs better in this case. Since the data has simple semantics and the structure of the data is not complicated,  which is suitable for U-Net model. </a:t>
+            </a:r>
+            <a:r>
+              <a:rPr lang="zh-CN" altLang="en-US" sz="3600" dirty="0">
+                <a:latin typeface="Calibri" panose="020F0502020204030204" pitchFamily="34" charset="0"/>
+                <a:ea typeface="SimSun" panose="02010600030101010101" pitchFamily="2" charset="-122"/>
+                <a:cs typeface="Times New Roman" panose="02020603050405020304" pitchFamily="18" charset="0"/>
+              </a:rPr>
+              <a:t> </a:t>
+            </a:r>
+            <a:r>
+              <a:rPr lang="en-US" altLang="zh-CN" sz="3600" dirty="0">
+                <a:latin typeface="Calibri" panose="020F0502020204030204" pitchFamily="34" charset="0"/>
+                <a:ea typeface="SimSun" panose="02010600030101010101" pitchFamily="2" charset="-122"/>
+                <a:cs typeface="Times New Roman" panose="02020603050405020304" pitchFamily="18" charset="0"/>
+              </a:rPr>
+              <a:t>U-Net first do down sampling and then up sampling, which acts like the compress the local feature first and then unzip it to identify the boundary of the images. The boundary in the images is the road that we are going to identify.</a:t>
+            </a:r>
+            <a:endParaRPr lang="en-US" sz="3200" dirty="0">
+              <a:latin typeface="Calibri" panose="020F0502020204030204" pitchFamily="34" charset="0"/>
+              <a:ea typeface="SimSun" panose="02010600030101010101" pitchFamily="2" charset="-122"/>
+              <a:cs typeface="Times New Roman" panose="02020603050405020304" pitchFamily="18" charset="0"/>
+            </a:endParaRPr>
           </a:p>
         </p:txBody>
       </p:sp>
@@ -5742,7 +5197,7 @@
         </p:nvGrpSpPr>
         <p:grpSpPr>
           <a:xfrm>
-            <a:off x="17484367" y="5864783"/>
+            <a:off x="17683484" y="6091659"/>
             <a:ext cx="14138630" cy="1084053"/>
             <a:chOff x="1612875" y="14662004"/>
             <a:chExt cx="14138630" cy="1084053"/>
@@ -6161,496 +5616,6 @@
       </p:grpSp>
       <p:sp>
         <p:nvSpPr>
-          <p:cNvPr id="57" name="Rectangle 56">
-            <a:extLst>
-              <a:ext uri="{FF2B5EF4-FFF2-40B4-BE49-F238E27FC236}">
-                <a16:creationId xmlns:a16="http://schemas.microsoft.com/office/drawing/2014/main" id="{ADBF49DB-484F-40D9-9657-B4D5127DF1DD}"/>
-              </a:ext>
-            </a:extLst>
-          </p:cNvPr>
-          <p:cNvSpPr/>
-          <p:nvPr/>
-        </p:nvSpPr>
-        <p:spPr>
-          <a:xfrm>
-            <a:off x="17194663" y="13081891"/>
-            <a:ext cx="14630400" cy="8956298"/>
-          </a:xfrm>
-          <a:prstGeom prst="rect">
-            <a:avLst/>
-          </a:prstGeom>
-        </p:spPr>
-        <p:txBody>
-          <a:bodyPr wrap="square">
-            <a:spAutoFit/>
-          </a:bodyPr>
-          <a:lstStyle/>
-          <a:p>
-            <a:pPr marR="0" lvl="0" algn="just">
-              <a:spcBef>
-                <a:spcPts val="0"/>
-              </a:spcBef>
-              <a:spcAft>
-                <a:spcPts val="0"/>
-              </a:spcAft>
-            </a:pPr>
-            <a:r>
-              <a:rPr lang="en-US" sz="4000" b="1" dirty="0">
-                <a:latin typeface="Calibri" panose="020F0502020204030204" pitchFamily="34" charset="0"/>
-                <a:ea typeface="SimSun" panose="02010600030101010101" pitchFamily="2" charset="-122"/>
-                <a:cs typeface="Times New Roman" panose="02020603050405020304" pitchFamily="18" charset="0"/>
-              </a:rPr>
-              <a:t>Overview</a:t>
-            </a:r>
-          </a:p>
-          <a:p>
-            <a:pPr marR="0" lvl="0" algn="just">
-              <a:spcBef>
-                <a:spcPts val="0"/>
-              </a:spcBef>
-              <a:spcAft>
-                <a:spcPts val="0"/>
-              </a:spcAft>
-            </a:pPr>
-            <a:r>
-              <a:rPr lang="en-US" sz="4000" dirty="0">
-                <a:latin typeface="Calibri" panose="020F0502020204030204" pitchFamily="34" charset="0"/>
-                <a:ea typeface="SimSun" panose="02010600030101010101" pitchFamily="2" charset="-122"/>
-                <a:cs typeface="Times New Roman" panose="02020603050405020304" pitchFamily="18" charset="0"/>
-              </a:rPr>
-              <a:t>CV method is to setup a reasonable threshold and set pixels that above the threshold to 1. The CV method achieves 0.22 accuracy (stage 1 score).  </a:t>
-            </a:r>
-          </a:p>
-          <a:p>
-            <a:pPr marR="0" lvl="0" algn="just">
-              <a:spcBef>
-                <a:spcPts val="0"/>
-              </a:spcBef>
-              <a:spcAft>
-                <a:spcPts val="0"/>
-              </a:spcAft>
-            </a:pPr>
-            <a:endParaRPr lang="en-US" sz="4000" dirty="0">
-              <a:latin typeface="Calibri" panose="020F0502020204030204" pitchFamily="34" charset="0"/>
-              <a:ea typeface="SimSun" panose="02010600030101010101" pitchFamily="2" charset="-122"/>
-              <a:cs typeface="Times New Roman" panose="02020603050405020304" pitchFamily="18" charset="0"/>
-            </a:endParaRPr>
-          </a:p>
-          <a:p>
-            <a:pPr marR="0" lvl="0" algn="just">
-              <a:spcBef>
-                <a:spcPts val="0"/>
-              </a:spcBef>
-              <a:spcAft>
-                <a:spcPts val="0"/>
-              </a:spcAft>
-            </a:pPr>
-            <a:r>
-              <a:rPr lang="en-US" sz="4000" b="1" dirty="0">
-                <a:latin typeface="Calibri" panose="020F0502020204030204" pitchFamily="34" charset="0"/>
-                <a:ea typeface="SimSun" panose="02010600030101010101" pitchFamily="2" charset="-122"/>
-                <a:cs typeface="Times New Roman" panose="02020603050405020304" pitchFamily="18" charset="0"/>
-              </a:rPr>
-              <a:t>How to choose a reasonable threshold</a:t>
-            </a:r>
-          </a:p>
-          <a:p>
-            <a:pPr marL="342900" indent="-342900" algn="just">
-              <a:buFont typeface="Calibri" panose="020F0502020204030204" pitchFamily="34" charset="0"/>
-              <a:buChar char="•"/>
-            </a:pPr>
-            <a:r>
-              <a:rPr lang="en-US" sz="3600" dirty="0">
-                <a:latin typeface="Calibri" panose="020F0502020204030204" pitchFamily="34" charset="0"/>
-                <a:ea typeface="SimSun" panose="02010600030101010101" pitchFamily="2" charset="-122"/>
-                <a:cs typeface="Times New Roman" panose="02020603050405020304" pitchFamily="18" charset="0"/>
-              </a:rPr>
-              <a:t>Assumption (1): Assume that the background pixels are more than nuclei pixels and remove the background based on this. </a:t>
-            </a:r>
-          </a:p>
-          <a:p>
-            <a:pPr marL="342900" indent="-342900" algn="just">
-              <a:buFont typeface="Calibri" panose="020F0502020204030204" pitchFamily="34" charset="0"/>
-              <a:buChar char="•"/>
-            </a:pPr>
-            <a:r>
-              <a:rPr lang="en-US" sz="3600" dirty="0">
-                <a:latin typeface="Calibri" panose="020F0502020204030204" pitchFamily="34" charset="0"/>
-                <a:ea typeface="SimSun" panose="02010600030101010101" pitchFamily="2" charset="-122"/>
-                <a:cs typeface="Times New Roman" panose="02020603050405020304" pitchFamily="18" charset="0"/>
-              </a:rPr>
-              <a:t>Assumption (2): Treats the image histogram as two additive distributions.</a:t>
-            </a:r>
-          </a:p>
-          <a:p>
-            <a:pPr marL="342900" indent="-342900" algn="just">
-              <a:buFont typeface="Calibri" panose="020F0502020204030204" pitchFamily="34" charset="0"/>
-              <a:buChar char="•"/>
-            </a:pPr>
-            <a:r>
-              <a:rPr lang="en-US" sz="3600" dirty="0">
-                <a:latin typeface="Calibri" panose="020F0502020204030204" pitchFamily="34" charset="0"/>
-                <a:ea typeface="SimSun" panose="02010600030101010101" pitchFamily="2" charset="-122"/>
-                <a:cs typeface="Times New Roman" panose="02020603050405020304" pitchFamily="18" charset="0"/>
-              </a:rPr>
-              <a:t>Find threshold value based on Otsu’s method. </a:t>
-            </a:r>
-          </a:p>
-          <a:p>
-            <a:pPr algn="just"/>
-            <a:endParaRPr lang="en-US" sz="4000" b="1" dirty="0">
-              <a:latin typeface="Calibri" panose="020F0502020204030204" pitchFamily="34" charset="0"/>
-              <a:ea typeface="SimSun" panose="02010600030101010101" pitchFamily="2" charset="-122"/>
-              <a:cs typeface="Times New Roman" panose="02020603050405020304" pitchFamily="18" charset="0"/>
-            </a:endParaRPr>
-          </a:p>
-          <a:p>
-            <a:pPr algn="just"/>
-            <a:endParaRPr lang="en-US" sz="4000" b="1" dirty="0">
-              <a:latin typeface="Calibri" panose="020F0502020204030204" pitchFamily="34" charset="0"/>
-              <a:ea typeface="SimSun" panose="02010600030101010101" pitchFamily="2" charset="-122"/>
-              <a:cs typeface="Times New Roman" panose="02020603050405020304" pitchFamily="18" charset="0"/>
-            </a:endParaRPr>
-          </a:p>
-          <a:p>
-            <a:pPr marR="0" lvl="0" algn="just">
-              <a:spcBef>
-                <a:spcPts val="0"/>
-              </a:spcBef>
-              <a:spcAft>
-                <a:spcPts val="0"/>
-              </a:spcAft>
-            </a:pPr>
-            <a:r>
-              <a:rPr lang="en-US" sz="4000" b="1" dirty="0">
-                <a:latin typeface="Calibri" panose="020F0502020204030204" pitchFamily="34" charset="0"/>
-                <a:ea typeface="SimSun" panose="02010600030101010101" pitchFamily="2" charset="-122"/>
-                <a:cs typeface="Times New Roman" panose="02020603050405020304" pitchFamily="18" charset="0"/>
-              </a:rPr>
-              <a:t>Why it fails</a:t>
-            </a:r>
-          </a:p>
-          <a:p>
-            <a:pPr marL="342900" indent="-342900" algn="just">
-              <a:buFont typeface="Calibri" panose="020F0502020204030204" pitchFamily="34" charset="0"/>
-              <a:buChar char="•"/>
-            </a:pPr>
-            <a:r>
-              <a:rPr lang="en-US" sz="3600" dirty="0">
-                <a:latin typeface="Calibri" panose="020F0502020204030204" pitchFamily="34" charset="0"/>
-                <a:ea typeface="SimSun" panose="02010600030101010101" pitchFamily="2" charset="-122"/>
-                <a:cs typeface="Times New Roman" panose="02020603050405020304" pitchFamily="18" charset="0"/>
-              </a:rPr>
-              <a:t>The first assumption can be wrong. Some special cases that CV method will fail. Image below shows a failure case.</a:t>
-            </a:r>
-          </a:p>
-        </p:txBody>
-      </p:sp>
-      <p:grpSp>
-        <p:nvGrpSpPr>
-          <p:cNvPr id="61" name="Group 60">
-            <a:extLst>
-              <a:ext uri="{FF2B5EF4-FFF2-40B4-BE49-F238E27FC236}">
-                <a16:creationId xmlns:a16="http://schemas.microsoft.com/office/drawing/2014/main" id="{A05D2899-245B-417B-9EB6-1ACFF5FA817C}"/>
-              </a:ext>
-            </a:extLst>
-          </p:cNvPr>
-          <p:cNvGrpSpPr/>
-          <p:nvPr/>
-        </p:nvGrpSpPr>
-        <p:grpSpPr>
-          <a:xfrm>
-            <a:off x="27735923" y="18492594"/>
-            <a:ext cx="3980815" cy="1771650"/>
-            <a:chOff x="27420346" y="24446056"/>
-            <a:chExt cx="3980815" cy="1771650"/>
-          </a:xfrm>
-        </p:grpSpPr>
-        <p:pic>
-          <p:nvPicPr>
-            <p:cNvPr id="58" name="Picture 57">
-              <a:extLst>
-                <a:ext uri="{FF2B5EF4-FFF2-40B4-BE49-F238E27FC236}">
-                  <a16:creationId xmlns:a16="http://schemas.microsoft.com/office/drawing/2014/main" id="{4AAA8223-5D25-40D9-A3E2-72248810A2D1}"/>
-                </a:ext>
-              </a:extLst>
-            </p:cNvPr>
-            <p:cNvPicPr/>
-            <p:nvPr/>
-          </p:nvPicPr>
-          <p:blipFill>
-            <a:blip r:embed="rId4"/>
-            <a:stretch>
-              <a:fillRect/>
-            </a:stretch>
-          </p:blipFill>
-          <p:spPr>
-            <a:xfrm>
-              <a:off x="27420346" y="24446056"/>
-              <a:ext cx="3980815" cy="1771650"/>
-            </a:xfrm>
-            <a:prstGeom prst="rect">
-              <a:avLst/>
-            </a:prstGeom>
-          </p:spPr>
-        </p:pic>
-        <p:sp>
-          <p:nvSpPr>
-            <p:cNvPr id="59" name="Rectangle 58">
-              <a:extLst>
-                <a:ext uri="{FF2B5EF4-FFF2-40B4-BE49-F238E27FC236}">
-                  <a16:creationId xmlns:a16="http://schemas.microsoft.com/office/drawing/2014/main" id="{CF2724BA-4EDD-4A84-9975-F2372A07E915}"/>
-                </a:ext>
-              </a:extLst>
-            </p:cNvPr>
-            <p:cNvSpPr/>
-            <p:nvPr/>
-          </p:nvSpPr>
-          <p:spPr>
-            <a:xfrm>
-              <a:off x="28089225" y="24498300"/>
-              <a:ext cx="902970" cy="123825"/>
-            </a:xfrm>
-            <a:prstGeom prst="rect">
-              <a:avLst/>
-            </a:prstGeom>
-            <a:ln>
-              <a:solidFill>
-                <a:schemeClr val="bg1"/>
-              </a:solidFill>
-            </a:ln>
-          </p:spPr>
-          <p:style>
-            <a:lnRef idx="2">
-              <a:schemeClr val="accent6"/>
-            </a:lnRef>
-            <a:fillRef idx="1">
-              <a:schemeClr val="lt1"/>
-            </a:fillRef>
-            <a:effectRef idx="0">
-              <a:schemeClr val="accent6"/>
-            </a:effectRef>
-            <a:fontRef idx="minor">
-              <a:schemeClr val="dk1"/>
-            </a:fontRef>
-          </p:style>
-          <p:txBody>
-            <a:bodyPr rtlCol="0" anchor="ctr"/>
-            <a:lstStyle/>
-            <a:p>
-              <a:pPr algn="ctr"/>
-              <a:endParaRPr lang="en-US" sz="900" dirty="0"/>
-            </a:p>
-          </p:txBody>
-        </p:sp>
-        <p:sp>
-          <p:nvSpPr>
-            <p:cNvPr id="60" name="Rectangle 59">
-              <a:extLst>
-                <a:ext uri="{FF2B5EF4-FFF2-40B4-BE49-F238E27FC236}">
-                  <a16:creationId xmlns:a16="http://schemas.microsoft.com/office/drawing/2014/main" id="{6036E0ED-9490-4902-A0BF-C4B8C471DBBE}"/>
-                </a:ext>
-              </a:extLst>
-            </p:cNvPr>
-            <p:cNvSpPr/>
-            <p:nvPr/>
-          </p:nvSpPr>
-          <p:spPr>
-            <a:xfrm>
-              <a:off x="29965874" y="24588787"/>
-              <a:ext cx="902970" cy="123825"/>
-            </a:xfrm>
-            <a:prstGeom prst="rect">
-              <a:avLst/>
-            </a:prstGeom>
-            <a:ln>
-              <a:solidFill>
-                <a:schemeClr val="bg1"/>
-              </a:solidFill>
-            </a:ln>
-          </p:spPr>
-          <p:style>
-            <a:lnRef idx="2">
-              <a:schemeClr val="accent6"/>
-            </a:lnRef>
-            <a:fillRef idx="1">
-              <a:schemeClr val="lt1"/>
-            </a:fillRef>
-            <a:effectRef idx="0">
-              <a:schemeClr val="accent6"/>
-            </a:effectRef>
-            <a:fontRef idx="minor">
-              <a:schemeClr val="dk1"/>
-            </a:fontRef>
-          </p:style>
-          <p:txBody>
-            <a:bodyPr rtlCol="0" anchor="ctr"/>
-            <a:lstStyle/>
-            <a:p>
-              <a:pPr algn="ctr"/>
-              <a:endParaRPr lang="en-US" sz="900" dirty="0"/>
-            </a:p>
-          </p:txBody>
-        </p:sp>
-      </p:grpSp>
-      <p:sp>
-        <p:nvSpPr>
-          <p:cNvPr id="62" name="Rectangle 61">
-            <a:extLst>
-              <a:ext uri="{FF2B5EF4-FFF2-40B4-BE49-F238E27FC236}">
-                <a16:creationId xmlns:a16="http://schemas.microsoft.com/office/drawing/2014/main" id="{925A1C59-B5B9-44D0-86E3-65F4F069204C}"/>
-              </a:ext>
-            </a:extLst>
-          </p:cNvPr>
-          <p:cNvSpPr/>
-          <p:nvPr/>
-        </p:nvSpPr>
-        <p:spPr>
-          <a:xfrm>
-            <a:off x="28191442" y="20287796"/>
-            <a:ext cx="1305714" cy="122698"/>
-          </a:xfrm>
-          <a:prstGeom prst="rect">
-            <a:avLst/>
-          </a:prstGeom>
-          <a:ln>
-            <a:solidFill>
-              <a:schemeClr val="bg1"/>
-            </a:solidFill>
-          </a:ln>
-        </p:spPr>
-        <p:style>
-          <a:lnRef idx="2">
-            <a:schemeClr val="accent6"/>
-          </a:lnRef>
-          <a:fillRef idx="1">
-            <a:schemeClr val="lt1"/>
-          </a:fillRef>
-          <a:effectRef idx="0">
-            <a:schemeClr val="accent6"/>
-          </a:effectRef>
-          <a:fontRef idx="minor">
-            <a:schemeClr val="dk1"/>
-          </a:fontRef>
-        </p:style>
-        <p:txBody>
-          <a:bodyPr rtlCol="0" anchor="ctr"/>
-          <a:lstStyle/>
-          <a:p>
-            <a:pPr algn="ctr"/>
-            <a:r>
-              <a:rPr lang="en-US" sz="900" dirty="0"/>
-              <a:t>Grayscale Histogram</a:t>
-            </a:r>
-          </a:p>
-        </p:txBody>
-      </p:sp>
-      <p:sp>
-        <p:nvSpPr>
-          <p:cNvPr id="63" name="Rectangle 62">
-            <a:extLst>
-              <a:ext uri="{FF2B5EF4-FFF2-40B4-BE49-F238E27FC236}">
-                <a16:creationId xmlns:a16="http://schemas.microsoft.com/office/drawing/2014/main" id="{F7A24310-C859-4BB9-8086-56000AA6DB20}"/>
-              </a:ext>
-            </a:extLst>
-          </p:cNvPr>
-          <p:cNvSpPr/>
-          <p:nvPr/>
-        </p:nvSpPr>
-        <p:spPr>
-          <a:xfrm>
-            <a:off x="30080078" y="20284277"/>
-            <a:ext cx="1501147" cy="122698"/>
-          </a:xfrm>
-          <a:prstGeom prst="rect">
-            <a:avLst/>
-          </a:prstGeom>
-          <a:ln>
-            <a:solidFill>
-              <a:schemeClr val="bg1"/>
-            </a:solidFill>
-          </a:ln>
-        </p:spPr>
-        <p:style>
-          <a:lnRef idx="2">
-            <a:schemeClr val="accent6"/>
-          </a:lnRef>
-          <a:fillRef idx="1">
-            <a:schemeClr val="lt1"/>
-          </a:fillRef>
-          <a:effectRef idx="0">
-            <a:schemeClr val="accent6"/>
-          </a:effectRef>
-          <a:fontRef idx="minor">
-            <a:schemeClr val="dk1"/>
-          </a:fontRef>
-        </p:style>
-        <p:txBody>
-          <a:bodyPr rtlCol="0" anchor="ctr"/>
-          <a:lstStyle/>
-          <a:p>
-            <a:pPr algn="ctr"/>
-            <a:r>
-              <a:rPr lang="en-US" sz="900" dirty="0"/>
-              <a:t>After Removing Background</a:t>
-            </a:r>
-          </a:p>
-        </p:txBody>
-      </p:sp>
-      <p:sp>
-        <p:nvSpPr>
-          <p:cNvPr id="64" name="Rectangle 63">
-            <a:extLst>
-              <a:ext uri="{FF2B5EF4-FFF2-40B4-BE49-F238E27FC236}">
-                <a16:creationId xmlns:a16="http://schemas.microsoft.com/office/drawing/2014/main" id="{E4896CA8-928B-4D5E-B9D9-16FDFA3B2B51}"/>
-              </a:ext>
-            </a:extLst>
-          </p:cNvPr>
-          <p:cNvSpPr/>
-          <p:nvPr/>
-        </p:nvSpPr>
-        <p:spPr>
-          <a:xfrm>
-            <a:off x="28033961" y="23240102"/>
-            <a:ext cx="1622425" cy="188063"/>
-          </a:xfrm>
-          <a:prstGeom prst="rect">
-            <a:avLst/>
-          </a:prstGeom>
-          <a:ln>
-            <a:solidFill>
-              <a:schemeClr val="bg1"/>
-            </a:solidFill>
-          </a:ln>
-        </p:spPr>
-        <p:style>
-          <a:lnRef idx="2">
-            <a:schemeClr val="accent6"/>
-          </a:lnRef>
-          <a:fillRef idx="1">
-            <a:schemeClr val="lt1"/>
-          </a:fillRef>
-          <a:effectRef idx="0">
-            <a:schemeClr val="accent6"/>
-          </a:effectRef>
-          <a:fontRef idx="minor">
-            <a:schemeClr val="dk1"/>
-          </a:fontRef>
-        </p:style>
-        <p:txBody>
-          <a:bodyPr rtlCol="0" anchor="ctr"/>
-          <a:lstStyle/>
-          <a:p>
-            <a:pPr algn="ctr"/>
-            <a:r>
-              <a:rPr lang="en-US" sz="900" dirty="0"/>
-              <a:t>Special Case for CV method</a:t>
-            </a:r>
-          </a:p>
-        </p:txBody>
-      </p:sp>
-      <p:sp>
-        <p:nvSpPr>
           <p:cNvPr id="66" name="Rectangle 65">
             <a:extLst>
               <a:ext uri="{FF2B5EF4-FFF2-40B4-BE49-F238E27FC236}">
@@ -6800,7 +5765,7 @@
         </p:nvSpPr>
         <p:spPr>
           <a:xfrm>
-            <a:off x="17258479" y="7180114"/>
+            <a:off x="17799325" y="7569032"/>
             <a:ext cx="14266629" cy="4524315"/>
           </a:xfrm>
           <a:prstGeom prst="rect">
@@ -6835,18 +5800,11 @@
                 <a:ea typeface="SimSun" panose="02010600030101010101" pitchFamily="2" charset="-122"/>
                 <a:cs typeface="Times New Roman" panose="02020603050405020304" pitchFamily="18" charset="0"/>
               </a:rPr>
-              <a:t>: Do preprocessing to the raw data. This includes resizing the original images, image normalization, and transform the data into the desired representation. In U-Net model, transform the data into a matrix; in CV model, we also need to compute the histogram of the image.</a:t>
-            </a:r>
-          </a:p>
-          <a:p>
-            <a:pPr marR="0" lvl="0" algn="just">
-              <a:spcBef>
-                <a:spcPts val="0"/>
-              </a:spcBef>
-              <a:spcAft>
-                <a:spcPts val="0"/>
-              </a:spcAft>
-            </a:pPr>
+              <a:t>: Do preprocessing to the raw data. This includes image normalization, and data augmentation. We transform the RGB image and binary mask image into matrix to do calculation.</a:t>
+            </a:r>
+          </a:p>
+          <a:p>
+            <a:pPr algn="just"/>
             <a:r>
               <a:rPr lang="en-US" sz="3600" b="1" dirty="0">
                 <a:latin typeface="Calibri" panose="020F0502020204030204" pitchFamily="34" charset="0"/>
@@ -6861,18 +5819,11 @@
                 <a:ea typeface="SimSun" panose="02010600030101010101" pitchFamily="2" charset="-122"/>
                 <a:cs typeface="Times New Roman" panose="02020603050405020304" pitchFamily="18" charset="0"/>
               </a:rPr>
-              <a:t>: We used CV model and U-Net network model.</a:t>
-            </a:r>
-          </a:p>
-          <a:p>
-            <a:pPr marR="0" lvl="0" algn="just">
-              <a:spcBef>
-                <a:spcPts val="0"/>
-              </a:spcBef>
-              <a:spcAft>
-                <a:spcPts val="0"/>
-              </a:spcAft>
-            </a:pPr>
+              <a:t>: We used U-Net model Mask RCNN model.</a:t>
+            </a:r>
+          </a:p>
+          <a:p>
+            <a:pPr algn="just"/>
             <a:r>
               <a:rPr lang="en-US" sz="3600" b="1" dirty="0">
                 <a:latin typeface="Calibri" panose="020F0502020204030204" pitchFamily="34" charset="0"/>
@@ -6887,7 +5838,7 @@
                 <a:ea typeface="SimSun" panose="02010600030101010101" pitchFamily="2" charset="-122"/>
                 <a:cs typeface="Times New Roman" panose="02020603050405020304" pitchFamily="18" charset="0"/>
               </a:rPr>
-              <a:t>: Do postprocessing to the outcome from the model. This includes resizing the masks, augmenting the masks, and line encoding the results.</a:t>
+              <a:t>: The post-processing contains Run Length Encoding of the results, set the threshold value of turning the gray-scale picture into binary picture only contain ‘0’ which represent road and ‘1’ which represent none-road area.</a:t>
             </a:r>
           </a:p>
         </p:txBody>
@@ -8035,8 +6986,8 @@
         </p:nvSpPr>
         <p:spPr>
           <a:xfrm>
-            <a:off x="2016034" y="5734187"/>
-            <a:ext cx="14092648" cy="5139869"/>
+            <a:off x="1853667" y="5799865"/>
+            <a:ext cx="14451156" cy="6740307"/>
           </a:xfrm>
           <a:prstGeom prst="rect">
             <a:avLst/>
@@ -8050,12 +7001,12 @@
           <a:p>
             <a:pPr algn="just"/>
             <a:r>
-              <a:rPr lang="en-US" sz="3600" b="1" dirty="0">
+              <a:rPr lang="en-US" sz="3600" dirty="0">
                 <a:latin typeface="Calibri" panose="020F0502020204030204" pitchFamily="34" charset="0"/>
                 <a:ea typeface="SimSun" panose="02010600030101010101" pitchFamily="2" charset="-122"/>
                 <a:cs typeface="Times New Roman" panose="02020603050405020304" pitchFamily="18" charset="0"/>
               </a:rPr>
-              <a:t>Problem Description</a:t>
+              <a:t>In this competition, we are asked to create a model that can segment satellite images to identify roads. The model could detect and label the roads. We are given 10897 training images and their corresponding masks and use the train data to construct the model. We also have 2170 test data without masks given and we can submit our results to Kaggle to get the scores of our model.</a:t>
             </a:r>
           </a:p>
           <a:p>
@@ -8066,46 +7017,22 @@
                 <a:ea typeface="SimSun" panose="02010600030101010101" pitchFamily="2" charset="-122"/>
                 <a:cs typeface="Times New Roman" panose="02020603050405020304" pitchFamily="18" charset="0"/>
               </a:rPr>
-              <a:t>In this competition, we are asked to create a computer model that can identify a range of nuclei across varied conditions. The program should automatically identify and extract the nuclei area. </a:t>
+              <a:t>We tried two models to solve the problem. Mask RCNN and U-Net. U-Net gained a better performance on the problem with higher scores by Kaggle.</a:t>
             </a:r>
           </a:p>
           <a:p>
             <a:pPr algn="just"/>
             <a:r>
-              <a:rPr lang="en-US" sz="3600" b="1" dirty="0">
+              <a:rPr lang="en-US" sz="3600" dirty="0">
                 <a:latin typeface="Calibri" panose="020F0502020204030204" pitchFamily="34" charset="0"/>
                 <a:ea typeface="SimSun" panose="02010600030101010101" pitchFamily="2" charset="-122"/>
                 <a:cs typeface="Times New Roman" panose="02020603050405020304" pitchFamily="18" charset="0"/>
               </a:rPr>
-              <a:t>Our Work</a:t>
+              <a:t>We mainly train our models and use the model to do predictions on test data on Amazon AWS platform using the p2.xlarge EC2 instances and we also use our own laptops to do some prediction which is slow. </a:t>
             </a:r>
           </a:p>
           <a:p>
             <a:pPr algn="just"/>
-            <a:r>
-              <a:rPr lang="en-US" sz="3600" dirty="0">
-                <a:latin typeface="Calibri" panose="020F0502020204030204" pitchFamily="34" charset="0"/>
-                <a:ea typeface="SimSun" panose="02010600030101010101" pitchFamily="2" charset="-122"/>
-                <a:cs typeface="Times New Roman" panose="02020603050405020304" pitchFamily="18" charset="0"/>
-              </a:rPr>
-              <a:t>We first analyze the data and do data exploration. We tried to classified based on size, color, shape number of nuclei, and try to identify the potential noise. We also did statistical analysis on the data. After EDA, We use CV methods and U-Net models to solve the problem</a:t>
-            </a:r>
-            <a:r>
-              <a:rPr lang="en-US" sz="4000" dirty="0">
-                <a:latin typeface="Calibri" panose="020F0502020204030204" pitchFamily="34" charset="0"/>
-                <a:ea typeface="SimSun" panose="02010600030101010101" pitchFamily="2" charset="-122"/>
-                <a:cs typeface="Times New Roman" panose="02020603050405020304" pitchFamily="18" charset="0"/>
-              </a:rPr>
-              <a:t>. CV methods </a:t>
-            </a:r>
-            <a:r>
-              <a:rPr lang="en-US" sz="4000" dirty="0" err="1">
-                <a:latin typeface="Calibri" panose="020F0502020204030204" pitchFamily="34" charset="0"/>
-                <a:ea typeface="SimSun" panose="02010600030101010101" pitchFamily="2" charset="-122"/>
-                <a:cs typeface="Times New Roman" panose="02020603050405020304" pitchFamily="18" charset="0"/>
-              </a:rPr>
-              <a:t>i</a:t>
-            </a:r>
             <a:endParaRPr lang="en-US" sz="3600" dirty="0">
               <a:latin typeface="Calibri" panose="020F0502020204030204" pitchFamily="34" charset="0"/>
               <a:ea typeface="SimSun" panose="02010600030101010101" pitchFamily="2" charset="-122"/>
@@ -8129,7 +7056,7 @@
           <p:nvPr/>
         </p:nvPicPr>
         <p:blipFill>
-          <a:blip r:embed="rId5"/>
+          <a:blip r:embed="rId3"/>
           <a:stretch>
             <a:fillRect/>
           </a:stretch>
@@ -8654,7 +7581,7 @@
           <p:nvPr/>
         </p:nvPicPr>
         <p:blipFill>
-          <a:blip r:embed="rId6"/>
+          <a:blip r:embed="rId4"/>
           <a:stretch>
             <a:fillRect/>
           </a:stretch>
@@ -8684,7 +7611,7 @@
           <p:nvPr/>
         </p:nvPicPr>
         <p:blipFill>
-          <a:blip r:embed="rId7"/>
+          <a:blip r:embed="rId5"/>
           <a:stretch>
             <a:fillRect/>
           </a:stretch>
@@ -9381,7 +8308,7 @@
           <p:nvPr/>
         </p:nvPicPr>
         <p:blipFill>
-          <a:blip r:embed="rId8"/>
+          <a:blip r:embed="rId6"/>
           <a:stretch>
             <a:fillRect/>
           </a:stretch>
@@ -9411,7 +8338,7 @@
           <p:nvPr/>
         </p:nvPicPr>
         <p:blipFill>
-          <a:blip r:embed="rId9"/>
+          <a:blip r:embed="rId7"/>
           <a:stretch>
             <a:fillRect/>
           </a:stretch>
@@ -9441,7 +8368,7 @@
           <p:nvPr/>
         </p:nvPicPr>
         <p:blipFill>
-          <a:blip r:embed="rId10"/>
+          <a:blip r:embed="rId8"/>
           <a:stretch>
             <a:fillRect/>
           </a:stretch>
@@ -9471,7 +8398,7 @@
           <p:nvPr/>
         </p:nvPicPr>
         <p:blipFill>
-          <a:blip r:embed="rId11"/>
+          <a:blip r:embed="rId9"/>
           <a:stretch>
             <a:fillRect/>
           </a:stretch>
@@ -9501,7 +8428,7 @@
           <p:nvPr/>
         </p:nvPicPr>
         <p:blipFill>
-          <a:blip r:embed="rId12"/>
+          <a:blip r:embed="rId10"/>
           <a:stretch>
             <a:fillRect/>
           </a:stretch>
@@ -9531,7 +8458,7 @@
           <p:nvPr/>
         </p:nvPicPr>
         <p:blipFill>
-          <a:blip r:embed="rId13"/>
+          <a:blip r:embed="rId11"/>
           <a:stretch>
             <a:fillRect/>
           </a:stretch>
@@ -10379,7 +9306,7 @@
                 <a:latin typeface="Calibri" panose="020F0502020204030204" pitchFamily="34" charset="0"/>
                 <a:ea typeface="SimSun" panose="02010600030101010101" pitchFamily="2" charset="-122"/>
                 <a:cs typeface="Times New Roman" panose="02020603050405020304" pitchFamily="18" charset="0"/>
-                <a:hlinkClick r:id="rId14"/>
+                <a:hlinkClick r:id="rId12"/>
               </a:rPr>
               <a:t>https://arxiv.org/pdf/1703.06870.pdf</a:t>
             </a:r>
@@ -10407,7 +9334,7 @@
                 <a:latin typeface="Calibri" panose="020F0502020204030204" pitchFamily="34" charset="0"/>
                 <a:ea typeface="SimSun" panose="02010600030101010101" pitchFamily="2" charset="-122"/>
                 <a:cs typeface="Times New Roman" panose="02020603050405020304" pitchFamily="18" charset="0"/>
-                <a:hlinkClick r:id="rId15"/>
+                <a:hlinkClick r:id="rId13"/>
               </a:rPr>
               <a:t>https://github.com/matterport/Mask_RCNN</a:t>
             </a:r>
@@ -10435,7 +9362,7 @@
                 <a:latin typeface="Calibri" panose="020F0502020204030204" pitchFamily="34" charset="0"/>
                 <a:ea typeface="SimSun" panose="02010600030101010101" pitchFamily="2" charset="-122"/>
                 <a:cs typeface="Times New Roman" panose="02020603050405020304" pitchFamily="18" charset="0"/>
-                <a:hlinkClick r:id="rId16"/>
+                <a:hlinkClick r:id="rId14"/>
               </a:rPr>
               <a:t>https://lmb.informatik.uni-freiburg.de/people/ronneber/u-net/</a:t>
             </a:r>
@@ -10487,7 +9414,7 @@
                 <a:latin typeface="Calibri" panose="020F0502020204030204" pitchFamily="34" charset="0"/>
                 <a:ea typeface="SimSun" panose="02010600030101010101" pitchFamily="2" charset="-122"/>
                 <a:cs typeface="Times New Roman" panose="02020603050405020304" pitchFamily="18" charset="0"/>
-                <a:hlinkClick r:id="rId17"/>
+                <a:hlinkClick r:id="rId15"/>
               </a:rPr>
               <a:t>https://github.com/zhixuhao/unet</a:t>
             </a:r>
@@ -10552,7 +9479,7 @@
             </a:r>
             <a:r>
               <a:rPr lang="en-US" sz="2400" dirty="0">
-                <a:hlinkClick r:id="rId18"/>
+                <a:hlinkClick r:id="rId16"/>
               </a:rPr>
               <a:t>https://opencv.org/</a:t>
             </a:r>
@@ -10576,7 +9503,7 @@
                 <a:latin typeface="Calibri" panose="020F0502020204030204" pitchFamily="34" charset="0"/>
                 <a:ea typeface="SimSun" panose="02010600030101010101" pitchFamily="2" charset="-122"/>
                 <a:cs typeface="Times New Roman" panose="02020603050405020304" pitchFamily="18" charset="0"/>
-                <a:hlinkClick r:id="rId19"/>
+                <a:hlinkClick r:id="rId17"/>
               </a:rPr>
               <a:t>https://www.kaggle.com/timnonet/run-length-encoding-script-python2</a:t>
             </a:r>
@@ -10588,6 +9515,175 @@
           </a:p>
         </p:txBody>
       </p:sp>
+      <p:sp>
+        <p:nvSpPr>
+          <p:cNvPr id="81" name="Rectangle 80">
+            <a:extLst>
+              <a:ext uri="{FF2B5EF4-FFF2-40B4-BE49-F238E27FC236}">
+                <a16:creationId xmlns:a16="http://schemas.microsoft.com/office/drawing/2014/main" id="{A0A0AD1E-F2AB-1445-B80F-0735EB23AAF8}"/>
+              </a:ext>
+            </a:extLst>
+          </p:cNvPr>
+          <p:cNvSpPr/>
+          <p:nvPr/>
+        </p:nvSpPr>
+        <p:spPr>
+          <a:xfrm>
+            <a:off x="17278091" y="13342402"/>
+            <a:ext cx="8820950" cy="9571851"/>
+          </a:xfrm>
+          <a:prstGeom prst="rect">
+            <a:avLst/>
+          </a:prstGeom>
+        </p:spPr>
+        <p:txBody>
+          <a:bodyPr wrap="square">
+            <a:spAutoFit/>
+          </a:bodyPr>
+          <a:lstStyle/>
+          <a:p>
+            <a:pPr marR="0" lvl="0" algn="just">
+              <a:spcBef>
+                <a:spcPts val="0"/>
+              </a:spcBef>
+              <a:spcAft>
+                <a:spcPts val="0"/>
+              </a:spcAft>
+            </a:pPr>
+            <a:r>
+              <a:rPr lang="en-US" sz="4000" b="1" dirty="0">
+                <a:latin typeface="Calibri" panose="020F0502020204030204" pitchFamily="34" charset="0"/>
+                <a:ea typeface="SimSun" panose="02010600030101010101" pitchFamily="2" charset="-122"/>
+                <a:cs typeface="Times New Roman" panose="02020603050405020304" pitchFamily="18" charset="0"/>
+              </a:rPr>
+              <a:t>U-Net Introduction and Features</a:t>
+            </a:r>
+          </a:p>
+          <a:p>
+            <a:pPr marL="342900" indent="-342900" algn="just">
+              <a:buFont typeface="Calibri" panose="020F0502020204030204" pitchFamily="34" charset="0"/>
+              <a:buChar char="•"/>
+            </a:pPr>
+            <a:r>
+              <a:rPr lang="en-US" sz="3600" dirty="0">
+                <a:latin typeface="Calibri" panose="020F0502020204030204" pitchFamily="34" charset="0"/>
+                <a:ea typeface="SimSun" panose="02010600030101010101" pitchFamily="2" charset="-122"/>
+                <a:cs typeface="Times New Roman" panose="02020603050405020304" pitchFamily="18" charset="0"/>
+              </a:rPr>
+              <a:t>The U-Net is a CNN model developed for biomedical image segmentation.</a:t>
+            </a:r>
+          </a:p>
+          <a:p>
+            <a:pPr marL="342900" indent="-342900" algn="just">
+              <a:buFont typeface="Calibri" panose="020F0502020204030204" pitchFamily="34" charset="0"/>
+              <a:buChar char="•"/>
+            </a:pPr>
+            <a:r>
+              <a:rPr lang="en-US" sz="3600" dirty="0">
+                <a:latin typeface="Calibri" panose="020F0502020204030204" pitchFamily="34" charset="0"/>
+                <a:ea typeface="SimSun" panose="02010600030101010101" pitchFamily="2" charset="-122"/>
+                <a:cs typeface="Times New Roman" panose="02020603050405020304" pitchFamily="18" charset="0"/>
+              </a:rPr>
+              <a:t>The network is based on fully connected network but does not have any fully connected layers and only use the valid part of each convolution.</a:t>
+            </a:r>
+          </a:p>
+          <a:p>
+            <a:pPr marL="342900" indent="-342900" algn="just">
+              <a:buFont typeface="Calibri" panose="020F0502020204030204" pitchFamily="34" charset="0"/>
+              <a:buChar char="•"/>
+            </a:pPr>
+            <a:r>
+              <a:rPr lang="en-US" sz="3600" dirty="0">
+                <a:latin typeface="Calibri" panose="020F0502020204030204" pitchFamily="34" charset="0"/>
+                <a:ea typeface="SimSun" panose="02010600030101010101" pitchFamily="2" charset="-122"/>
+                <a:cs typeface="Times New Roman" panose="02020603050405020304" pitchFamily="18" charset="0"/>
+              </a:rPr>
+              <a:t>The network consists of a contracting path containing four down sampling layers, and an expansive path containing four up sampling layers.</a:t>
+            </a:r>
+          </a:p>
+          <a:p>
+            <a:pPr marL="342900" indent="-342900" algn="just">
+              <a:buFont typeface="Calibri" panose="020F0502020204030204" pitchFamily="34" charset="0"/>
+              <a:buChar char="•"/>
+            </a:pPr>
+            <a:r>
+              <a:rPr lang="en-US" sz="3600" dirty="0">
+                <a:latin typeface="Calibri" panose="020F0502020204030204" pitchFamily="34" charset="0"/>
+                <a:ea typeface="SimSun" panose="02010600030101010101" pitchFamily="2" charset="-122"/>
+                <a:cs typeface="Times New Roman" panose="02020603050405020304" pitchFamily="18" charset="0"/>
+              </a:rPr>
+              <a:t>Optimize process: Tuning parameters(batch, number of epochs, number of iterations per epoch)</a:t>
+            </a:r>
+          </a:p>
+          <a:p>
+            <a:pPr marL="342900" indent="-342900" algn="just">
+              <a:buFont typeface="Calibri" panose="020F0502020204030204" pitchFamily="34" charset="0"/>
+              <a:buChar char="•"/>
+            </a:pPr>
+            <a:r>
+              <a:rPr lang="en-US" sz="3600" dirty="0">
+                <a:latin typeface="Calibri" panose="020F0502020204030204" pitchFamily="34" charset="0"/>
+                <a:ea typeface="SimSun" panose="02010600030101010101" pitchFamily="2" charset="-122"/>
+                <a:cs typeface="Times New Roman" panose="02020603050405020304" pitchFamily="18" charset="0"/>
+              </a:rPr>
+              <a:t>Prevent overfit: Use dropout layers, early stop</a:t>
+            </a:r>
+          </a:p>
+          <a:p>
+            <a:pPr marL="342900" indent="-342900" algn="just">
+              <a:buFont typeface="Calibri" panose="020F0502020204030204" pitchFamily="34" charset="0"/>
+              <a:buChar char="•"/>
+            </a:pPr>
+            <a:r>
+              <a:rPr lang="en-US" sz="3600" dirty="0">
+                <a:latin typeface="Calibri" panose="020F0502020204030204" pitchFamily="34" charset="0"/>
+                <a:ea typeface="SimSun" panose="02010600030101010101" pitchFamily="2" charset="-122"/>
+                <a:cs typeface="Times New Roman" panose="02020603050405020304" pitchFamily="18" charset="0"/>
+              </a:rPr>
+              <a:t>Model assessment: Kaggle scores.</a:t>
+            </a:r>
+          </a:p>
+        </p:txBody>
+      </p:sp>
+      <p:pic>
+        <p:nvPicPr>
+          <p:cNvPr id="82" name="图片 1">
+            <a:extLst>
+              <a:ext uri="{FF2B5EF4-FFF2-40B4-BE49-F238E27FC236}">
+                <a16:creationId xmlns:a16="http://schemas.microsoft.com/office/drawing/2014/main" id="{D3D032AC-319C-1243-8434-FBF4747556C7}"/>
+              </a:ext>
+            </a:extLst>
+          </p:cNvPr>
+          <p:cNvPicPr/>
+          <p:nvPr/>
+        </p:nvPicPr>
+        <p:blipFill>
+          <a:blip r:embed="rId18" cstate="print">
+            <a:extLst>
+              <a:ext uri="{28A0092B-C50C-407E-A947-70E740481C1C}">
+                <a14:useLocalDpi xmlns:a14="http://schemas.microsoft.com/office/drawing/2010/main" val="0"/>
+              </a:ext>
+            </a:extLst>
+          </a:blip>
+          <a:srcRect/>
+          <a:stretch>
+            <a:fillRect/>
+          </a:stretch>
+        </p:blipFill>
+        <p:spPr bwMode="auto">
+          <a:xfrm>
+            <a:off x="26754530" y="16113682"/>
+            <a:ext cx="5943600" cy="3961130"/>
+          </a:xfrm>
+          <a:prstGeom prst="rect">
+            <a:avLst/>
+          </a:prstGeom>
+          <a:noFill/>
+          <a:ln>
+            <a:noFill/>
+          </a:ln>
+        </p:spPr>
+      </p:pic>
     </p:spTree>
     <p:extLst>
       <p:ext uri="{BB962C8B-B14F-4D97-AF65-F5344CB8AC3E}">
